--- a/publish/sample.pptx
+++ b/publish/sample.pptx
@@ -10,6 +10,8 @@
     <p:sldId id="258" r:id="rId4"/>
     <p:sldId id="259" r:id="rId5"/>
     <p:sldId id="260" r:id="rId6"/>
+    <p:sldId id="261" r:id="rId7"/>
+    <p:sldId id="262" r:id="rId8"/>
   </p:sldIdLst>
   <p:sldSz cx="9144000" cy="5143500" type="screen16x9"/>
   <p:notesSz cx="6858000" cy="9144000"/>
@@ -1185,31 +1187,31 @@
           <a:bodyPr/>
           <a:lstStyle>
             <a:lvl1pPr>
-              <a:defRPr sz="2100"/>
+              <a:defRPr sz="1200"/>
             </a:lvl1pPr>
             <a:lvl2pPr>
-              <a:defRPr sz="1800"/>
+              <a:defRPr sz="1100"/>
             </a:lvl2pPr>
             <a:lvl3pPr>
-              <a:defRPr sz="1500"/>
+              <a:defRPr sz="1100"/>
             </a:lvl3pPr>
             <a:lvl4pPr>
-              <a:defRPr sz="1350"/>
+              <a:defRPr sz="1100"/>
             </a:lvl4pPr>
             <a:lvl5pPr>
-              <a:defRPr sz="1350"/>
+              <a:defRPr sz="1100"/>
             </a:lvl5pPr>
             <a:lvl6pPr>
-              <a:defRPr sz="1350"/>
+              <a:defRPr sz="1100"/>
             </a:lvl6pPr>
             <a:lvl7pPr>
-              <a:defRPr sz="1350"/>
+              <a:defRPr sz="1100"/>
             </a:lvl7pPr>
             <a:lvl8pPr>
-              <a:defRPr sz="1350"/>
+              <a:defRPr sz="1100"/>
             </a:lvl8pPr>
             <a:lvl9pPr>
-              <a:defRPr sz="1350"/>
+              <a:defRPr sz="1100"/>
             </a:lvl9pPr>
           </a:lstStyle>
           <a:p>
@@ -1269,31 +1271,31 @@
           <a:bodyPr/>
           <a:lstStyle>
             <a:lvl1pPr>
-              <a:defRPr sz="2100"/>
+              <a:defRPr sz="1200"/>
             </a:lvl1pPr>
             <a:lvl2pPr>
-              <a:defRPr sz="1800"/>
+              <a:defRPr sz="1100"/>
             </a:lvl2pPr>
             <a:lvl3pPr>
-              <a:defRPr sz="1500"/>
+              <a:defRPr sz="1100"/>
             </a:lvl3pPr>
             <a:lvl4pPr>
-              <a:defRPr sz="1350"/>
+              <a:defRPr sz="1100"/>
             </a:lvl4pPr>
             <a:lvl5pPr>
-              <a:defRPr sz="1350"/>
+              <a:defRPr sz="1100"/>
             </a:lvl5pPr>
             <a:lvl6pPr>
-              <a:defRPr sz="1350"/>
+              <a:defRPr sz="1100"/>
             </a:lvl6pPr>
             <a:lvl7pPr>
-              <a:defRPr sz="1350"/>
+              <a:defRPr sz="1100"/>
             </a:lvl7pPr>
             <a:lvl8pPr>
-              <a:defRPr sz="1350"/>
+              <a:defRPr sz="1100"/>
             </a:lvl8pPr>
             <a:lvl9pPr>
-              <a:defRPr sz="1350"/>
+              <a:defRPr sz="1100"/>
             </a:lvl9pPr>
           </a:lstStyle>
           <a:p>
@@ -3543,306 +3545,124 @@
           </a:p>
         </p:txBody>
       </p:sp>
-      <mc:AlternateContent xmlns:mc="http://schemas.openxmlformats.org/markup-compatibility/2006">
-        <mc:Choice xmlns:a14="http://schemas.microsoft.com/office/drawing/2010/main" Requires="a14">
-          <p:sp>
-            <p:nvSpPr>
-              <p:cNvPr id="3" name="Content Placeholder 2"/>
-              <p:cNvSpPr>
-                <a:spLocks noGrp="1"/>
-              </p:cNvSpPr>
-              <p:nvPr>
-                <p:ph idx="1"/>
-              </p:nvPr>
-            </p:nvSpPr>
-            <p:spPr/>
-            <p:txBody>
-              <a:bodyPr/>
-              <a:lstStyle/>
-              <a:p>
-                <a:pPr lvl="0" indent="0" marL="0">
-                  <a:spcBef>
-                    <a:spcPts val="3000"/>
-                  </a:spcBef>
-                  <a:buNone/>
-                </a:pPr>
-                <a:r>
-                  <a:rPr b="1"/>
-                  <a:t>First column</a:t>
-                </a:r>
-              </a:p>
-              <a:p>
-                <a:pPr lvl="0"/>
-                <a:r>
-                  <a:rPr/>
-                  <a:t>You can use all Markdown features and directly embed </a:t>
-                </a:r>
-              </a:p>
-              <a:p>
-                <a:pPr lvl="0"/>
-                <a:r>
-                  <a:rPr/>
-                  <a:t> Beamer allows you to flexibly animate slides with </a:t>
-                </a:r>
-                <a:r>
-                  <a:rPr>
-                    <a:latin typeface="Courier"/>
-                  </a:rPr>
-                  <a:t>\uncover&lt;X&gt;</a:t>
-                </a:r>
-                <a:r>
-                  <a:rPr/>
-                  <a:t> and </a:t>
-                </a:r>
-                <a:r>
-                  <a:rPr>
-                    <a:latin typeface="Courier"/>
-                  </a:rPr>
-                  <a:t>\only&lt;X&gt;</a:t>
-                </a:r>
-                <a:r>
-                  <a:rPr/>
-                  <a:t> </a:t>
-                </a:r>
-              </a:p>
-              <a:p>
-                <a:pPr lvl="0"/>
-                <a:r>
-                  <a:rPr/>
-                  <a:t> For images it is better to use vector graphics, e.g. in </a:t>
-                </a:r>
-                <a:r>
-                  <a:rPr>
-                    <a:latin typeface="Courier"/>
-                  </a:rPr>
-                  <a:t>.svg</a:t>
-                </a:r>
-                <a:r>
-                  <a:rPr/>
-                  <a:t> which is automatically converted into </a:t>
-                </a:r>
-                <a:r>
-                  <a:rPr>
-                    <a:latin typeface="Courier"/>
-                  </a:rPr>
-                  <a:t>.pdf</a:t>
-                </a:r>
-                <a:r>
-                  <a:rPr/>
-                  <a:t> via </a:t>
-                </a:r>
-                <a:r>
-                  <a:rPr>
-                    <a:latin typeface="Courier"/>
-                  </a:rPr>
-                  <a:t>Makefile</a:t>
-                </a:r>
-                <a:r>
-                  <a:rPr/>
-                  <a:t> magic </a:t>
-                </a:r>
-              </a:p>
-              <a:p>
-                <a:pPr lvl="0"/>
-                <a:r>
-                  <a:rPr/>
-                  <a:t> You can also use </a:t>
-                </a:r>
-                <a:r>
-                  <a:rPr>
-                    <a:latin typeface="Courier"/>
-                  </a:rPr>
-                  <a:t>.png</a:t>
-                </a:r>
-                <a:r>
-                  <a:rPr/>
-                  <a:t> or </a:t>
-                </a:r>
-                <a:r>
-                  <a:rPr>
-                    <a:latin typeface="Courier"/>
-                  </a:rPr>
-                  <a:t>.jpg</a:t>
-                </a:r>
-                <a:r>
-                  <a:rPr/>
-                  <a:t> but they usually look worse than </a:t>
-                </a:r>
-                <a:r>
-                  <a:rPr>
-                    <a:latin typeface="Courier"/>
-                  </a:rPr>
-                  <a:t>.svg</a:t>
-                </a:r>
-                <a:r>
-                  <a:rPr/>
-                  <a:t>/</a:t>
-                </a:r>
-                <a:r>
-                  <a:rPr>
-                    <a:latin typeface="Courier"/>
-                  </a:rPr>
-                  <a:t>.pdf</a:t>
-                </a:r>
-                <a:r>
-                  <a:rPr/>
-                  <a:t> </a:t>
-                </a:r>
-              </a:p>
-              <a:p>
-                <a:pPr lvl="0"/>
-                <a:r>
-                  <a:rPr/>
-                  <a:t> Or you can dive deep into Ti</a:t>
-                </a:r>
-                <a:r>
-                  <a:rPr i="1"/>
-                  <a:t>k</a:t>
-                </a:r>
-                <a:r>
-                  <a:rPr/>
-                  <a:t>Z </a:t>
-                </a:r>
-              </a:p>
-              <a:p>
-                <a:pPr lvl="0"/>
-                <a:r>
-                  <a:rPr/>
-                  <a:t> Links can also be embeded as QR codes into presentation with </a:t>
-                </a:r>
-              </a:p>
-              <a:p>
-                <a:pPr lvl="0" indent="0" marL="0">
-                  <a:spcBef>
-                    <a:spcPts val="3000"/>
-                  </a:spcBef>
-                  <a:buNone/>
-                </a:pPr>
-                <a:r>
-                  <a:rPr b="1"/>
-                  <a:t>Second column (centered)</a:t>
-                </a:r>
-              </a:p>
-              <a:p>
-                <a:pPr lvl="0"/>
-                <a:r>
-                  <a:rPr/>
-                  <a:t>Markdown lists</a:t>
-                </a:r>
-              </a:p>
-              <a:p>
-                <a:pPr lvl="0"/>
-                <a:r>
-                  <a:rPr/>
-                  <a:t>With beautiful math: </a:t>
-                </a:r>
-                <a14:m>
-                  <m:oMath xmlns:m="http://schemas.openxmlformats.org/officeDocument/2006/math">
-                    <m:sSup>
-                      <m:e>
-                        <m:r>
-                          <m:t>x</m:t>
-                        </m:r>
-                      </m:e>
-                      <m:sup>
-                        <m:r>
-                          <m:t>n</m:t>
-                        </m:r>
-                      </m:sup>
-                    </m:sSup>
-                    <m:r>
-                      <m:rPr>
-                        <m:sty m:val="p"/>
-                      </m:rPr>
-                      <m:t>+</m:t>
-                    </m:r>
-                    <m:sSup>
-                      <m:e>
-                        <m:r>
-                          <m:t>y</m:t>
-                        </m:r>
-                      </m:e>
-                      <m:sup>
-                        <m:r>
-                          <m:t>n</m:t>
-                        </m:r>
-                      </m:sup>
-                    </m:sSup>
-                    <m:r>
-                      <m:rPr>
-                        <m:sty m:val="p"/>
-                      </m:rPr>
-                      <m:t>=</m:t>
-                    </m:r>
-                    <m:sSup>
-                      <m:e>
-                        <m:r>
-                          <m:t>z</m:t>
-                        </m:r>
-                      </m:e>
-                      <m:sup>
-                        <m:r>
-                          <m:t>n</m:t>
-                        </m:r>
-                      </m:sup>
-                    </m:sSup>
-                  </m:oMath>
-                </a14:m>
-              </a:p>
-              <a:p>
-                <a:pPr lvl="0"/>
-                <a:r>
-                  <a:rPr/>
-                  <a:t>And </a:t>
-                </a:r>
-                <a:r>
-                  <a:rPr i="1"/>
-                  <a:t>easy</a:t>
-                </a:r>
-                <a:r>
-                  <a:rPr/>
-                  <a:t> </a:t>
-                </a:r>
-                <a:r>
-                  <a:rPr b="1"/>
-                  <a:t>Markdown</a:t>
-                </a:r>
-                <a:r>
-                  <a:rPr/>
-                  <a:t> </a:t>
-                </a:r>
-                <a:r>
-                  <a:rPr>
-                    <a:latin typeface="Courier"/>
-                  </a:rPr>
-                  <a:t>styles</a:t>
-                </a:r>
-              </a:p>
-              <a:p>
-                <a:pPr lvl="0" indent="0" marL="0">
-                  <a:buNone/>
-                </a:pPr>
-              </a:p>
-              <a:p>
-                <a:pPr lvl="0" indent="0" marL="0">
-                  <a:buNone/>
-                </a:pPr>
-              </a:p>
-              <a:p>
-                <a:pPr lvl="0" indent="0" marL="0">
-                  <a:buNone/>
-                </a:pPr>
-                <a:r>
-                  <a:rPr>
-                    <a:hlinkClick r:id="rId2"/>
-                  </a:rPr>
-                  <a:t>https://texample.net/tikz/examples/</a:t>
-                </a:r>
-              </a:p>
-            </p:txBody>
-          </p:sp>
-        </mc:Choice>
-      </mc:AlternateContent>
+      <p:sp>
+        <p:nvSpPr>
+          <p:cNvPr id="3" name="Content Placeholder 2"/>
+          <p:cNvSpPr>
+            <a:spLocks noGrp="1"/>
+          </p:cNvSpPr>
+          <p:nvPr>
+            <p:ph idx="1" sz="half"/>
+          </p:nvPr>
+        </p:nvSpPr>
+        <p:spPr/>
+        <p:txBody>
+          <a:bodyPr/>
+          <a:lstStyle/>
+          <a:p>
+            <a:pPr lvl="0" indent="0" marL="0">
+              <a:spcBef>
+                <a:spcPts val="3000"/>
+              </a:spcBef>
+              <a:buNone/>
+            </a:pPr>
+            <a:r>
+              <a:rPr b="1"/>
+              <a:t>First column</a:t>
+            </a:r>
+          </a:p>
+          <a:p>
+            <a:pPr lvl="0"/>
+            <a:r>
+              <a:rPr/>
+              <a:t>You can use all Markdown features </a:t>
+            </a:r>
+            <a:r>
+              <a:rPr strike="sngStrike"/>
+              <a:t>and directly embed </a:t>
+            </a:r>
+          </a:p>
+        </p:txBody>
+      </p:sp>
+      <p:sp>
+        <p:nvSpPr>
+          <p:cNvPr id="4" name="Content Placeholder 3"/>
+          <p:cNvSpPr>
+            <a:spLocks noGrp="1"/>
+          </p:cNvSpPr>
+          <p:nvPr>
+            <p:ph idx="2" sz="half"/>
+          </p:nvPr>
+        </p:nvSpPr>
+        <p:spPr/>
+        <p:txBody>
+          <a:bodyPr/>
+          <a:lstStyle/>
+          <a:p>
+            <a:pPr lvl="0" indent="0" marL="0">
+              <a:spcBef>
+                <a:spcPts val="3000"/>
+              </a:spcBef>
+              <a:buNone/>
+            </a:pPr>
+            <a:r>
+              <a:rPr b="1"/>
+              <a:t>Second column (centered)</a:t>
+            </a:r>
+          </a:p>
+          <a:p>
+            <a:pPr lvl="0"/>
+            <a:r>
+              <a:rPr/>
+              <a:t>Markdown lists</a:t>
+            </a:r>
+          </a:p>
+          <a:p>
+            <a:pPr lvl="0"/>
+            <a:r>
+              <a:rPr/>
+              <a:t>With </a:t>
+            </a:r>
+            <a:r>
+              <a:rPr strike="sngStrike"/>
+              <a:t>beautiful</a:t>
+            </a:r>
+            <a:r>
+              <a:rPr/>
+              <a:t> ugly math: x^n + y^n = z^n</a:t>
+            </a:r>
+          </a:p>
+          <a:p>
+            <a:pPr lvl="0"/>
+            <a:r>
+              <a:rPr/>
+              <a:t>And </a:t>
+            </a:r>
+            <a:r>
+              <a:rPr i="1"/>
+              <a:t>easy</a:t>
+            </a:r>
+            <a:r>
+              <a:rPr/>
+              <a:t> </a:t>
+            </a:r>
+            <a:r>
+              <a:rPr b="1"/>
+              <a:t>Markdown</a:t>
+            </a:r>
+            <a:r>
+              <a:rPr/>
+              <a:t> </a:t>
+            </a:r>
+            <a:r>
+              <a:rPr>
+                <a:latin typeface="Courier"/>
+              </a:rPr>
+              <a:t>styles</a:t>
+            </a:r>
+          </a:p>
+        </p:txBody>
+      </p:sp>
     </p:spTree>
   </p:cSld>
 </p:sld>
@@ -3885,7 +3705,7 @@
             </a:pPr>
             <a:r>
               <a:rPr/>
-              <a:t>Incremental code highlighting</a:t>
+              <a:t>Sample slide</a:t>
             </a:r>
           </a:p>
         </p:txBody>
@@ -3913,737 +3733,109 @@
             </a:pPr>
             <a:r>
               <a:rPr b="1"/>
-              <a:t>Beamer macros</a:t>
+              <a:t>First column</a:t>
             </a:r>
           </a:p>
           <a:p>
             <a:pPr lvl="0"/>
+            <a:r>
+              <a:rPr/>
+              <a:t>You can use all Markdown features </a:t>
+            </a:r>
+            <a:r>
+              <a:rPr strike="sngStrike"/>
+              <a:t>and directly embed </a:t>
+            </a:r>
+          </a:p>
+          <a:p>
+            <a:pPr lvl="0"/>
+            <a:r>
+              <a:rPr/>
+              <a:t>For images it is better to use vector graphics, e.g. in </a:t>
+            </a:r>
             <a:r>
               <a:rPr>
                 <a:latin typeface="Courier"/>
               </a:rPr>
-              <a:t>\onslide&lt;X&gt;</a:t>
+              <a:t>.svg</a:t>
             </a:r>
             <a:r>
               <a:rPr/>
-              <a:t> macro can be used inside of code listings to provide custom animations</a:t>
-            </a:r>
-          </a:p>
-          <a:p>
-            <a:pPr lvl="0"/>
+              <a:t> or </a:t>
+            </a:r>
             <a:r>
               <a:rPr>
                 <a:latin typeface="Courier"/>
               </a:rPr>
-              <a:t>\setbeamercovered</a:t>
+              <a:t>.tikz</a:t>
             </a:r>
             <a:r>
               <a:rPr/>
-              <a:t> macro controls how the elements are displayed when they are supposed to be hidden</a:t>
-            </a:r>
-          </a:p>
-          <a:p>
-            <a:pPr lvl="0"/>
-            <a:r>
-              <a:rPr/>
-              <a:t>In this example </a:t>
+              <a:t>/</a:t>
             </a:r>
             <a:r>
               <a:rPr>
                 <a:latin typeface="Courier"/>
               </a:rPr>
-              <a:t>\setbeamercovered{transparent=40}</a:t>
+              <a:t>.gv</a:t>
             </a:r>
             <a:r>
               <a:rPr/>
-              <a:t> makes elements dimmed instead of being hidden completely</a:t>
-            </a:r>
-          </a:p>
-        </p:txBody>
-      </p:sp>
-      <p:sp>
-        <p:nvSpPr>
-          <p:cNvPr id="4" name="Content Placeholder 3"/>
-          <p:cNvSpPr>
-            <a:spLocks noGrp="1"/>
-          </p:cNvSpPr>
-          <p:nvPr>
-            <p:ph idx="2" sz="half"/>
-          </p:nvPr>
-        </p:nvSpPr>
-        <p:spPr/>
-        <p:txBody>
-          <a:bodyPr/>
-          <a:lstStyle/>
-          <a:p>
-            <a:pPr lvl="0" indent="0" marL="0">
-              <a:spcBef>
-                <a:spcPts val="3000"/>
-              </a:spcBef>
-              <a:buNone/>
-            </a:pPr>
-            <a:r>
-              <a:rPr b="1"/>
-              <a:t>Code sample</a:t>
-            </a:r>
-          </a:p>
-          <a:p>
-            <a:pPr lvl="0" indent="0">
-              <a:buNone/>
-            </a:pPr>
+              <a:t> which is automatically converted into </a:t>
+            </a:r>
             <a:r>
               <a:rPr>
                 <a:latin typeface="Courier"/>
               </a:rPr>
-              <a:t>$\onslide</a:t>
-            </a:r>
-            <a:r>
-              <a:rPr>
-                <a:solidFill>
-                  <a:srgbClr val="666666"/>
-                </a:solidFill>
-                <a:latin typeface="Courier"/>
-              </a:rPr>
-              <a:t>&lt;</a:t>
-            </a:r>
-            <a:r>
-              <a:rPr>
-                <a:solidFill>
-                  <a:srgbClr val="40A070"/>
-                </a:solidFill>
-                <a:latin typeface="Courier"/>
-              </a:rPr>
-              <a:t>1</a:t>
+              <a:t>.svg</a:t>
+            </a:r>
+            <a:r>
+              <a:rPr/>
+              <a:t> via </a:t>
             </a:r>
             <a:r>
               <a:rPr>
                 <a:latin typeface="Courier"/>
               </a:rPr>
-              <a:t>        </a:t>
-            </a:r>
-            <a:r>
-              <a:rPr>
-                <a:solidFill>
-                  <a:srgbClr val="666666"/>
-                </a:solidFill>
-                <a:latin typeface="Courier"/>
-              </a:rPr>
-              <a:t>&gt;</a:t>
-            </a:r>
-            <a:r>
-              <a:rPr>
-                <a:latin typeface="Courier"/>
-              </a:rPr>
-              <a:t>$</a:t>
-            </a:r>
-            <a:r>
-              <a:rPr i="1">
-                <a:solidFill>
-                  <a:srgbClr val="60A0B0"/>
-                </a:solidFill>
-                <a:latin typeface="Courier"/>
-              </a:rPr>
-              <a:t># Factorial example</a:t>
-            </a:r>
-            <a:br/>
-            <a:r>
-              <a:rPr>
-                <a:latin typeface="Courier"/>
-              </a:rPr>
-              <a:t>$\onslide</a:t>
-            </a:r>
-            <a:r>
-              <a:rPr>
-                <a:solidFill>
-                  <a:srgbClr val="666666"/>
-                </a:solidFill>
-                <a:latin typeface="Courier"/>
-              </a:rPr>
-              <a:t>&lt;</a:t>
-            </a:r>
-            <a:r>
-              <a:rPr>
-                <a:solidFill>
-                  <a:srgbClr val="40A070"/>
-                </a:solidFill>
-                <a:latin typeface="Courier"/>
-              </a:rPr>
-              <a:t>1</a:t>
-            </a:r>
-            <a:r>
-              <a:rPr>
-                <a:latin typeface="Courier"/>
-              </a:rPr>
-              <a:t>,</a:t>
-            </a:r>
-            <a:r>
-              <a:rPr>
-                <a:solidFill>
-                  <a:srgbClr val="40A070"/>
-                </a:solidFill>
-                <a:latin typeface="Courier"/>
-              </a:rPr>
-              <a:t>2</a:t>
-            </a:r>
-            <a:r>
-              <a:rPr>
-                <a:latin typeface="Courier"/>
-              </a:rPr>
-              <a:t>,</a:t>
-            </a:r>
-            <a:r>
-              <a:rPr>
-                <a:solidFill>
-                  <a:srgbClr val="40A070"/>
-                </a:solidFill>
-                <a:latin typeface="Courier"/>
-              </a:rPr>
-              <a:t>6</a:t>
-            </a:r>
-            <a:r>
-              <a:rPr>
-                <a:latin typeface="Courier"/>
-              </a:rPr>
-              <a:t>    </a:t>
-            </a:r>
-            <a:r>
-              <a:rPr>
-                <a:solidFill>
-                  <a:srgbClr val="666666"/>
-                </a:solidFill>
-                <a:latin typeface="Courier"/>
-              </a:rPr>
-              <a:t>&gt;</a:t>
-            </a:r>
-            <a:r>
-              <a:rPr>
-                <a:latin typeface="Courier"/>
-              </a:rPr>
-              <a:t>$def factorial(n):</a:t>
-            </a:r>
-            <a:br/>
-            <a:r>
-              <a:rPr>
-                <a:latin typeface="Courier"/>
-              </a:rPr>
-              <a:t>$\onslide</a:t>
-            </a:r>
-            <a:r>
-              <a:rPr>
-                <a:solidFill>
-                  <a:srgbClr val="666666"/>
-                </a:solidFill>
-                <a:latin typeface="Courier"/>
-              </a:rPr>
-              <a:t>&lt;</a:t>
-            </a:r>
-            <a:r>
-              <a:rPr>
-                <a:solidFill>
-                  <a:srgbClr val="40A070"/>
-                </a:solidFill>
-                <a:latin typeface="Courier"/>
-              </a:rPr>
-              <a:t>1</a:t>
-            </a:r>
-            <a:r>
-              <a:rPr>
-                <a:latin typeface="Courier"/>
-              </a:rPr>
-              <a:t>,</a:t>
-            </a:r>
-            <a:r>
-              <a:rPr>
-                <a:solidFill>
-                  <a:srgbClr val="40A070"/>
-                </a:solidFill>
-                <a:latin typeface="Courier"/>
-              </a:rPr>
-              <a:t>3</a:t>
-            </a:r>
-            <a:r>
-              <a:rPr>
-                <a:latin typeface="Courier"/>
-              </a:rPr>
-              <a:t>,</a:t>
-            </a:r>
-            <a:r>
-              <a:rPr>
-                <a:solidFill>
-                  <a:srgbClr val="40A070"/>
-                </a:solidFill>
-                <a:latin typeface="Courier"/>
-              </a:rPr>
-              <a:t>4</a:t>
-            </a:r>
-            <a:r>
-              <a:rPr>
-                <a:latin typeface="Courier"/>
-              </a:rPr>
-              <a:t>,</a:t>
-            </a:r>
-            <a:r>
-              <a:rPr>
-                <a:solidFill>
-                  <a:srgbClr val="40A070"/>
-                </a:solidFill>
-                <a:latin typeface="Courier"/>
-              </a:rPr>
-              <a:t>7</a:t>
-            </a:r>
-            <a:r>
-              <a:rPr>
-                <a:latin typeface="Courier"/>
-              </a:rPr>
-              <a:t>,</a:t>
-            </a:r>
-            <a:r>
-              <a:rPr>
-                <a:solidFill>
-                  <a:srgbClr val="40A070"/>
-                </a:solidFill>
-                <a:latin typeface="Courier"/>
-              </a:rPr>
-              <a:t>8</a:t>
-            </a:r>
-            <a:r>
-              <a:rPr>
-                <a:solidFill>
-                  <a:srgbClr val="666666"/>
-                </a:solidFill>
-                <a:latin typeface="Courier"/>
-              </a:rPr>
-              <a:t>&gt;</a:t>
-            </a:r>
-            <a:r>
-              <a:rPr>
-                <a:latin typeface="Courier"/>
-              </a:rPr>
-              <a:t>$  </a:t>
-            </a:r>
-            <a:r>
-              <a:rPr b="1">
-                <a:solidFill>
-                  <a:srgbClr val="007020"/>
-                </a:solidFill>
-                <a:latin typeface="Courier"/>
-              </a:rPr>
-              <a:t>if</a:t>
-            </a:r>
-            <a:r>
-              <a:rPr>
-                <a:latin typeface="Courier"/>
-              </a:rPr>
-              <a:t> n </a:t>
-            </a:r>
-            <a:r>
-              <a:rPr>
-                <a:solidFill>
-                  <a:srgbClr val="666666"/>
-                </a:solidFill>
-                <a:latin typeface="Courier"/>
-              </a:rPr>
-              <a:t>&lt;</a:t>
-            </a:r>
-            <a:r>
-              <a:rPr>
-                <a:latin typeface="Courier"/>
-              </a:rPr>
-              <a:t> </a:t>
-            </a:r>
-            <a:r>
-              <a:rPr>
-                <a:solidFill>
-                  <a:srgbClr val="40A070"/>
-                </a:solidFill>
-                <a:latin typeface="Courier"/>
-              </a:rPr>
-              <a:t>2</a:t>
-            </a:r>
-            <a:r>
-              <a:rPr>
-                <a:latin typeface="Courier"/>
-              </a:rPr>
-              <a:t>:</a:t>
-            </a:r>
-            <a:br/>
-            <a:r>
-              <a:rPr>
-                <a:latin typeface="Courier"/>
-              </a:rPr>
-              <a:t>$\onslide</a:t>
-            </a:r>
-            <a:r>
-              <a:rPr>
-                <a:solidFill>
-                  <a:srgbClr val="666666"/>
-                </a:solidFill>
-                <a:latin typeface="Courier"/>
-              </a:rPr>
-              <a:t>&lt;</a:t>
-            </a:r>
-            <a:r>
-              <a:rPr>
-                <a:solidFill>
-                  <a:srgbClr val="40A070"/>
-                </a:solidFill>
-                <a:latin typeface="Courier"/>
-              </a:rPr>
-              <a:t>1</a:t>
-            </a:r>
-            <a:r>
-              <a:rPr>
-                <a:latin typeface="Courier"/>
-              </a:rPr>
-              <a:t>,</a:t>
-            </a:r>
-            <a:r>
-              <a:rPr>
-                <a:solidFill>
-                  <a:srgbClr val="40A070"/>
-                </a:solidFill>
-                <a:latin typeface="Courier"/>
-              </a:rPr>
-              <a:t>3</a:t>
-            </a:r>
-            <a:r>
-              <a:rPr>
-                <a:latin typeface="Courier"/>
-              </a:rPr>
-              <a:t>,</a:t>
-            </a:r>
-            <a:r>
-              <a:rPr>
-                <a:solidFill>
-                  <a:srgbClr val="40A070"/>
-                </a:solidFill>
-                <a:latin typeface="Courier"/>
-              </a:rPr>
-              <a:t>7</a:t>
-            </a:r>
-            <a:r>
-              <a:rPr>
-                <a:latin typeface="Courier"/>
-              </a:rPr>
-              <a:t>,</a:t>
-            </a:r>
-            <a:r>
-              <a:rPr>
-                <a:solidFill>
-                  <a:srgbClr val="40A070"/>
-                </a:solidFill>
-                <a:latin typeface="Courier"/>
-              </a:rPr>
-              <a:t>9</a:t>
-            </a:r>
-            <a:r>
-              <a:rPr>
-                <a:latin typeface="Courier"/>
-              </a:rPr>
-              <a:t>  </a:t>
-            </a:r>
-            <a:r>
-              <a:rPr>
-                <a:solidFill>
-                  <a:srgbClr val="666666"/>
-                </a:solidFill>
-                <a:latin typeface="Courier"/>
-              </a:rPr>
-              <a:t>&gt;</a:t>
-            </a:r>
-            <a:r>
-              <a:rPr>
-                <a:latin typeface="Courier"/>
-              </a:rPr>
-              <a:t>$    </a:t>
-            </a:r>
-            <a:r>
-              <a:rPr b="1">
-                <a:solidFill>
-                  <a:srgbClr val="007020"/>
-                </a:solidFill>
-                <a:latin typeface="Courier"/>
-              </a:rPr>
-              <a:t>return</a:t>
-            </a:r>
-            <a:r>
-              <a:rPr>
-                <a:latin typeface="Courier"/>
-              </a:rPr>
-              <a:t> </a:t>
-            </a:r>
-            <a:r>
-              <a:rPr>
-                <a:solidFill>
-                  <a:srgbClr val="40A070"/>
-                </a:solidFill>
-                <a:latin typeface="Courier"/>
-              </a:rPr>
-              <a:t>1</a:t>
-            </a:r>
-            <a:br/>
-            <a:r>
-              <a:rPr>
-                <a:latin typeface="Courier"/>
-              </a:rPr>
-              <a:t>$\onslide</a:t>
-            </a:r>
-            <a:r>
-              <a:rPr>
-                <a:solidFill>
-                  <a:srgbClr val="666666"/>
-                </a:solidFill>
-                <a:latin typeface="Courier"/>
-              </a:rPr>
-              <a:t>&lt;</a:t>
-            </a:r>
-            <a:r>
-              <a:rPr>
-                <a:solidFill>
-                  <a:srgbClr val="40A070"/>
-                </a:solidFill>
-                <a:latin typeface="Courier"/>
-              </a:rPr>
-              <a:t>1</a:t>
-            </a:r>
-            <a:r>
-              <a:rPr>
-                <a:latin typeface="Courier"/>
-              </a:rPr>
-              <a:t>,</a:t>
-            </a:r>
-            <a:r>
-              <a:rPr>
-                <a:solidFill>
-                  <a:srgbClr val="40A070"/>
-                </a:solidFill>
-                <a:latin typeface="Courier"/>
-              </a:rPr>
-              <a:t>3</a:t>
-            </a:r>
-            <a:r>
-              <a:rPr>
-                <a:latin typeface="Courier"/>
-              </a:rPr>
-              <a:t>,</a:t>
-            </a:r>
-            <a:r>
-              <a:rPr>
-                <a:solidFill>
-                  <a:srgbClr val="40A070"/>
-                </a:solidFill>
-                <a:latin typeface="Courier"/>
-              </a:rPr>
-              <a:t>4</a:t>
-            </a:r>
-            <a:r>
-              <a:rPr>
-                <a:latin typeface="Courier"/>
-              </a:rPr>
-              <a:t>,</a:t>
-            </a:r>
-            <a:r>
-              <a:rPr>
-                <a:solidFill>
-                  <a:srgbClr val="40A070"/>
-                </a:solidFill>
-                <a:latin typeface="Courier"/>
-              </a:rPr>
-              <a:t>7</a:t>
-            </a:r>
-            <a:r>
-              <a:rPr>
-                <a:latin typeface="Courier"/>
-              </a:rPr>
-              <a:t>,</a:t>
-            </a:r>
-            <a:r>
-              <a:rPr>
-                <a:solidFill>
-                  <a:srgbClr val="40A070"/>
-                </a:solidFill>
-                <a:latin typeface="Courier"/>
-              </a:rPr>
-              <a:t>8</a:t>
-            </a:r>
-            <a:r>
-              <a:rPr>
-                <a:solidFill>
-                  <a:srgbClr val="666666"/>
-                </a:solidFill>
-                <a:latin typeface="Courier"/>
-              </a:rPr>
-              <a:t>&gt;</a:t>
-            </a:r>
-            <a:r>
-              <a:rPr>
-                <a:latin typeface="Courier"/>
-              </a:rPr>
-              <a:t>$  </a:t>
-            </a:r>
-            <a:r>
-              <a:rPr b="1">
-                <a:solidFill>
-                  <a:srgbClr val="007020"/>
-                </a:solidFill>
-                <a:latin typeface="Courier"/>
-              </a:rPr>
-              <a:t>else</a:t>
-            </a:r>
-            <a:r>
-              <a:rPr>
-                <a:latin typeface="Courier"/>
-              </a:rPr>
-              <a:t>:</a:t>
-            </a:r>
-            <a:br/>
-            <a:r>
-              <a:rPr>
-                <a:latin typeface="Courier"/>
-              </a:rPr>
-              <a:t>$\onslide</a:t>
-            </a:r>
-            <a:r>
-              <a:rPr>
-                <a:solidFill>
-                  <a:srgbClr val="666666"/>
-                </a:solidFill>
-                <a:latin typeface="Courier"/>
-              </a:rPr>
-              <a:t>&lt;</a:t>
-            </a:r>
-            <a:r>
-              <a:rPr>
-                <a:solidFill>
-                  <a:srgbClr val="40A070"/>
-                </a:solidFill>
-                <a:latin typeface="Courier"/>
-              </a:rPr>
-              <a:t>1</a:t>
-            </a:r>
-            <a:r>
-              <a:rPr>
-                <a:latin typeface="Courier"/>
-              </a:rPr>
-              <a:t>,</a:t>
-            </a:r>
-            <a:r>
-              <a:rPr>
-                <a:solidFill>
-                  <a:srgbClr val="40A070"/>
-                </a:solidFill>
-                <a:latin typeface="Courier"/>
-              </a:rPr>
-              <a:t>3</a:t>
-            </a:r>
-            <a:r>
-              <a:rPr>
-                <a:latin typeface="Courier"/>
-              </a:rPr>
-              <a:t>,</a:t>
-            </a:r>
-            <a:r>
-              <a:rPr>
-                <a:solidFill>
-                  <a:srgbClr val="40A070"/>
-                </a:solidFill>
-                <a:latin typeface="Courier"/>
-              </a:rPr>
-              <a:t>5</a:t>
-            </a:r>
-            <a:r>
-              <a:rPr>
-                <a:latin typeface="Courier"/>
-              </a:rPr>
-              <a:t>,</a:t>
-            </a:r>
-            <a:r>
-              <a:rPr>
-                <a:solidFill>
-                  <a:srgbClr val="40A070"/>
-                </a:solidFill>
-                <a:latin typeface="Courier"/>
-              </a:rPr>
-              <a:t>7</a:t>
-            </a:r>
-            <a:r>
-              <a:rPr>
-                <a:latin typeface="Courier"/>
-              </a:rPr>
-              <a:t>  </a:t>
-            </a:r>
-            <a:r>
-              <a:rPr>
-                <a:solidFill>
-                  <a:srgbClr val="666666"/>
-                </a:solidFill>
-                <a:latin typeface="Courier"/>
-              </a:rPr>
-              <a:t>&gt;</a:t>
-            </a:r>
-            <a:r>
-              <a:rPr>
-                <a:latin typeface="Courier"/>
-              </a:rPr>
-              <a:t>$    </a:t>
-            </a:r>
-            <a:r>
-              <a:rPr b="1">
-                <a:solidFill>
-                  <a:srgbClr val="007020"/>
-                </a:solidFill>
-                <a:latin typeface="Courier"/>
-              </a:rPr>
-              <a:t>return</a:t>
-            </a:r>
-            <a:r>
-              <a:rPr>
-                <a:latin typeface="Courier"/>
-              </a:rPr>
-              <a:t> n </a:t>
-            </a:r>
-            <a:r>
-              <a:rPr>
-                <a:solidFill>
-                  <a:srgbClr val="666666"/>
-                </a:solidFill>
-                <a:latin typeface="Courier"/>
-              </a:rPr>
-              <a:t>*</a:t>
-            </a:r>
-            <a:r>
-              <a:rPr>
-                <a:latin typeface="Courier"/>
-              </a:rPr>
-              <a:t> factorial(n</a:t>
-            </a:r>
-            <a:r>
-              <a:rPr>
-                <a:solidFill>
-                  <a:srgbClr val="666666"/>
-                </a:solidFill>
-                <a:latin typeface="Courier"/>
-              </a:rPr>
-              <a:t>-</a:t>
-            </a:r>
-            <a:r>
-              <a:rPr>
-                <a:solidFill>
-                  <a:srgbClr val="40A070"/>
-                </a:solidFill>
-                <a:latin typeface="Courier"/>
-              </a:rPr>
-              <a:t>1</a:t>
-            </a:r>
-            <a:r>
-              <a:rPr>
-                <a:latin typeface="Courier"/>
-              </a:rPr>
-              <a:t>)</a:t>
-            </a:r>
-          </a:p>
-        </p:txBody>
-      </p:sp>
+              <a:t>Makefile</a:t>
+            </a:r>
+            <a:r>
+              <a:rPr/>
+              <a:t> magic</a:t>
+            </a:r>
+          </a:p>
+        </p:txBody>
+      </p:sp>
+      <p:pic>
+        <p:nvPicPr>
+          <p:cNvPr descr="images/sample/Markdown-mark.svg" id="0" name="Picture 1"/>
+          <p:cNvPicPr>
+            <a:picLocks noGrp="1" noChangeAspect="1"/>
+          </p:cNvPicPr>
+          <p:nvPr/>
+        </p:nvPicPr>
+        <p:blipFill>
+          <a:blip r:embed="rId2"/>
+          <a:stretch>
+            <a:fillRect/>
+          </a:stretch>
+        </p:blipFill>
+        <p:spPr bwMode="auto">
+          <a:xfrm>
+            <a:off x="4648200" y="1651000"/>
+            <a:ext cx="4038600" cy="2489200"/>
+          </a:xfrm>
+          <a:prstGeom prst="rect">
+            <a:avLst/>
+          </a:prstGeom>
+          <a:noFill/>
+          <a:ln w="9525">
+            <a:noFill/>
+            <a:headEnd/>
+            <a:tailEnd/>
+          </a:ln>
+        </p:spPr>
+      </p:pic>
     </p:spTree>
   </p:cSld>
 </p:sld>
@@ -4686,7 +3878,7 @@
             </a:pPr>
             <a:r>
               <a:rPr/>
-              <a:t>Conclusion</a:t>
+              <a:t>Sample slide</a:t>
             </a:r>
           </a:p>
         </p:txBody>
@@ -4698,7 +3890,7 @@
             <a:spLocks noGrp="1"/>
           </p:cNvSpPr>
           <p:nvPr>
-            <p:ph idx="1"/>
+            <p:ph idx="1" sz="half"/>
           </p:nvPr>
         </p:nvSpPr>
         <p:spPr/>
@@ -4714,6 +3906,212 @@
             </a:pPr>
             <a:r>
               <a:rPr b="1"/>
+              <a:t>First column</a:t>
+            </a:r>
+          </a:p>
+          <a:p>
+            <a:pPr lvl="0"/>
+            <a:r>
+              <a:rPr/>
+              <a:t>You can use all Markdown features </a:t>
+            </a:r>
+            <a:r>
+              <a:rPr strike="sngStrike"/>
+              <a:t>and directly embed </a:t>
+            </a:r>
+          </a:p>
+          <a:p>
+            <a:pPr lvl="0"/>
+            <a:r>
+              <a:rPr/>
+              <a:t>For images it is better to use vector graphics, e.g. in </a:t>
+            </a:r>
+            <a:r>
+              <a:rPr>
+                <a:latin typeface="Courier"/>
+              </a:rPr>
+              <a:t>.svg</a:t>
+            </a:r>
+            <a:r>
+              <a:rPr/>
+              <a:t> or </a:t>
+            </a:r>
+            <a:r>
+              <a:rPr>
+                <a:latin typeface="Courier"/>
+              </a:rPr>
+              <a:t>.tikz</a:t>
+            </a:r>
+            <a:r>
+              <a:rPr/>
+              <a:t>/</a:t>
+            </a:r>
+            <a:r>
+              <a:rPr>
+                <a:latin typeface="Courier"/>
+              </a:rPr>
+              <a:t>.gv</a:t>
+            </a:r>
+            <a:r>
+              <a:rPr/>
+              <a:t> which is automatically converted into </a:t>
+            </a:r>
+            <a:r>
+              <a:rPr>
+                <a:latin typeface="Courier"/>
+              </a:rPr>
+              <a:t>.svg</a:t>
+            </a:r>
+            <a:r>
+              <a:rPr/>
+              <a:t> via </a:t>
+            </a:r>
+            <a:r>
+              <a:rPr>
+                <a:latin typeface="Courier"/>
+              </a:rPr>
+              <a:t>Makefile</a:t>
+            </a:r>
+            <a:r>
+              <a:rPr/>
+              <a:t> magic</a:t>
+            </a:r>
+          </a:p>
+          <a:p>
+            <a:pPr lvl="0"/>
+            <a:r>
+              <a:rPr/>
+              <a:t>You can also use </a:t>
+            </a:r>
+            <a:r>
+              <a:rPr>
+                <a:latin typeface="Courier"/>
+              </a:rPr>
+              <a:t>.png</a:t>
+            </a:r>
+            <a:r>
+              <a:rPr/>
+              <a:t> or </a:t>
+            </a:r>
+            <a:r>
+              <a:rPr>
+                <a:latin typeface="Courier"/>
+              </a:rPr>
+              <a:t>.jpg</a:t>
+            </a:r>
+            <a:r>
+              <a:rPr/>
+              <a:t> but they usually look worse than </a:t>
+            </a:r>
+            <a:r>
+              <a:rPr>
+                <a:latin typeface="Courier"/>
+              </a:rPr>
+              <a:t>.svg</a:t>
+            </a:r>
+          </a:p>
+        </p:txBody>
+      </p:sp>
+      <p:pic>
+        <p:nvPicPr>
+          <p:cNvPr descr="images/sample/Markdown-mark.svg" id="0" name="Picture 1"/>
+          <p:cNvPicPr>
+            <a:picLocks noGrp="1" noChangeAspect="1"/>
+          </p:cNvPicPr>
+          <p:nvPr/>
+        </p:nvPicPr>
+        <p:blipFill>
+          <a:blip r:embed="rId2"/>
+          <a:stretch>
+            <a:fillRect/>
+          </a:stretch>
+        </p:blipFill>
+        <p:spPr bwMode="auto">
+          <a:xfrm>
+            <a:off x="4648200" y="1651000"/>
+            <a:ext cx="4038600" cy="2489200"/>
+          </a:xfrm>
+          <a:prstGeom prst="rect">
+            <a:avLst/>
+          </a:prstGeom>
+          <a:noFill/>
+          <a:ln w="9525">
+            <a:noFill/>
+            <a:headEnd/>
+            <a:tailEnd/>
+          </a:ln>
+        </p:spPr>
+      </p:pic>
+    </p:spTree>
+  </p:cSld>
+</p:sld>
+</file>
+
+<file path=ppt/slides/slide6.xml><?xml version="1.0" encoding="utf-8"?>
+<p:sld xmlns:a="http://schemas.openxmlformats.org/drawingml/2006/main" xmlns:r="http://schemas.openxmlformats.org/officeDocument/2006/relationships" xmlns:p="http://schemas.openxmlformats.org/presentationml/2006/main">
+  <p:cSld>
+    <p:spTree>
+      <p:nvGrpSpPr>
+        <p:cNvPr id="1" name=""/>
+        <p:cNvGrpSpPr/>
+        <p:nvPr/>
+      </p:nvGrpSpPr>
+      <p:grpSpPr>
+        <a:xfrm>
+          <a:off x="0" y="0"/>
+          <a:ext cx="0" cy="0"/>
+          <a:chOff x="0" y="0"/>
+          <a:chExt cx="0" cy="0"/>
+        </a:xfrm>
+      </p:grpSpPr>
+      <p:sp>
+        <p:nvSpPr>
+          <p:cNvPr id="2" name="Title 1"/>
+          <p:cNvSpPr>
+            <a:spLocks noGrp="1"/>
+          </p:cNvSpPr>
+          <p:nvPr>
+            <p:ph type="title"/>
+          </p:nvPr>
+        </p:nvSpPr>
+        <p:spPr/>
+        <p:txBody>
+          <a:bodyPr/>
+          <a:lstStyle/>
+          <a:p>
+            <a:pPr lvl="0" indent="0" marL="0">
+              <a:buNone/>
+            </a:pPr>
+            <a:r>
+              <a:rPr/>
+              <a:t>Conclusion</a:t>
+            </a:r>
+          </a:p>
+        </p:txBody>
+      </p:sp>
+      <p:sp>
+        <p:nvSpPr>
+          <p:cNvPr id="3" name="Content Placeholder 2"/>
+          <p:cNvSpPr>
+            <a:spLocks noGrp="1"/>
+          </p:cNvSpPr>
+          <p:nvPr>
+            <p:ph idx="1"/>
+          </p:nvPr>
+        </p:nvSpPr>
+        <p:spPr/>
+        <p:txBody>
+          <a:bodyPr/>
+          <a:lstStyle/>
+          <a:p>
+            <a:pPr lvl="0" indent="0" marL="0">
+              <a:spcBef>
+                <a:spcPts val="3000"/>
+              </a:spcBef>
+              <a:buNone/>
+            </a:pPr>
+            <a:r>
+              <a:rPr b="1"/>
               <a:t>Summary</a:t>
             </a:r>
           </a:p>
@@ -4721,7 +4119,15 @@
             <a:pPr lvl="0"/>
             <a:r>
               <a:rPr/>
-              <a:t>Pandoc = Markdown + </a:t>
+              <a:t>Pandoc = Markdown + Ti</a:t>
+            </a:r>
+            <a:r>
+              <a:rPr i="1"/>
+              <a:t>k</a:t>
+            </a:r>
+            <a:r>
+              <a:rPr/>
+              <a:t>Z</a:t>
             </a:r>
           </a:p>
           <a:p>
@@ -4737,6 +4143,53 @@
             <a:r>
               <a:rPr/>
               <a:t> PowerPoint ever again</a:t>
+            </a:r>
+          </a:p>
+        </p:txBody>
+      </p:sp>
+    </p:spTree>
+  </p:cSld>
+</p:sld>
+</file>
+
+<file path=ppt/slides/slide7.xml><?xml version="1.0" encoding="utf-8"?>
+<p:sld xmlns:a="http://schemas.openxmlformats.org/drawingml/2006/main" xmlns:r="http://schemas.openxmlformats.org/officeDocument/2006/relationships" xmlns:p="http://schemas.openxmlformats.org/presentationml/2006/main">
+  <p:cSld>
+    <p:spTree>
+      <p:nvGrpSpPr>
+        <p:cNvPr id="1" name=""/>
+        <p:cNvGrpSpPr/>
+        <p:nvPr/>
+      </p:nvGrpSpPr>
+      <p:grpSpPr>
+        <a:xfrm>
+          <a:off x="0" y="0"/>
+          <a:ext cx="0" cy="0"/>
+          <a:chOff x="0" y="0"/>
+          <a:chExt cx="0" cy="0"/>
+        </a:xfrm>
+      </p:grpSpPr>
+      <p:sp>
+        <p:nvSpPr>
+          <p:cNvPr id="2" name="Title 1"/>
+          <p:cNvSpPr>
+            <a:spLocks noGrp="1"/>
+          </p:cNvSpPr>
+          <p:nvPr>
+            <p:ph type="title"/>
+          </p:nvPr>
+        </p:nvSpPr>
+        <p:spPr/>
+        <p:txBody>
+          <a:bodyPr/>
+          <a:lstStyle/>
+          <a:p>
+            <a:pPr lvl="0" indent="0" marL="0">
+              <a:buNone/>
+            </a:pPr>
+            <a:r>
+              <a:rPr/>
+              <a:t>Thank you</a:t>
             </a:r>
           </a:p>
         </p:txBody>
